--- a/Documents & Slideshows/MongoDB.pptx
+++ b/Documents & Slideshows/MongoDB.pptx
@@ -3435,7 +3435,7 @@
           <a:p>
             <a:fld id="{627E0E4A-8C4F-4624-908B-97FA75F2E97A}" type="datetimeFigureOut">
               <a:rPr lang="en-US" smtClean="0"/>
-              <a:t>11/20/2019</a:t>
+              <a:t>11/21/2019</a:t>
             </a:fld>
             <a:endParaRPr lang="en-US"/>
           </a:p>
@@ -4685,7 +4685,7 @@
           <a:p>
             <a:fld id="{3A3AB252-50D9-4F50-BA8D-FB93EDDF0D1D}" type="datetimeFigureOut">
               <a:rPr lang="en-US" smtClean="0"/>
-              <a:t>11/20/2019</a:t>
+              <a:t>11/21/2019</a:t>
             </a:fld>
             <a:endParaRPr lang="en-US"/>
           </a:p>
@@ -4883,7 +4883,7 @@
           <a:p>
             <a:fld id="{3A3AB252-50D9-4F50-BA8D-FB93EDDF0D1D}" type="datetimeFigureOut">
               <a:rPr lang="en-US" smtClean="0"/>
-              <a:t>11/20/2019</a:t>
+              <a:t>11/21/2019</a:t>
             </a:fld>
             <a:endParaRPr lang="en-US"/>
           </a:p>
@@ -5091,7 +5091,7 @@
           <a:p>
             <a:fld id="{3A3AB252-50D9-4F50-BA8D-FB93EDDF0D1D}" type="datetimeFigureOut">
               <a:rPr lang="en-US" smtClean="0"/>
-              <a:t>11/20/2019</a:t>
+              <a:t>11/21/2019</a:t>
             </a:fld>
             <a:endParaRPr lang="en-US"/>
           </a:p>
@@ -5289,7 +5289,7 @@
           <a:p>
             <a:fld id="{3A3AB252-50D9-4F50-BA8D-FB93EDDF0D1D}" type="datetimeFigureOut">
               <a:rPr lang="en-US" smtClean="0"/>
-              <a:t>11/20/2019</a:t>
+              <a:t>11/21/2019</a:t>
             </a:fld>
             <a:endParaRPr lang="en-US"/>
           </a:p>
@@ -5564,7 +5564,7 @@
           <a:p>
             <a:fld id="{3A3AB252-50D9-4F50-BA8D-FB93EDDF0D1D}" type="datetimeFigureOut">
               <a:rPr lang="en-US" smtClean="0"/>
-              <a:t>11/20/2019</a:t>
+              <a:t>11/21/2019</a:t>
             </a:fld>
             <a:endParaRPr lang="en-US"/>
           </a:p>
@@ -5829,7 +5829,7 @@
           <a:p>
             <a:fld id="{3A3AB252-50D9-4F50-BA8D-FB93EDDF0D1D}" type="datetimeFigureOut">
               <a:rPr lang="en-US" smtClean="0"/>
-              <a:t>11/20/2019</a:t>
+              <a:t>11/21/2019</a:t>
             </a:fld>
             <a:endParaRPr lang="en-US"/>
           </a:p>
@@ -6241,7 +6241,7 @@
           <a:p>
             <a:fld id="{3A3AB252-50D9-4F50-BA8D-FB93EDDF0D1D}" type="datetimeFigureOut">
               <a:rPr lang="en-US" smtClean="0"/>
-              <a:t>11/20/2019</a:t>
+              <a:t>11/21/2019</a:t>
             </a:fld>
             <a:endParaRPr lang="en-US"/>
           </a:p>
@@ -6382,7 +6382,7 @@
           <a:p>
             <a:fld id="{3A3AB252-50D9-4F50-BA8D-FB93EDDF0D1D}" type="datetimeFigureOut">
               <a:rPr lang="en-US" smtClean="0"/>
-              <a:t>11/20/2019</a:t>
+              <a:t>11/21/2019</a:t>
             </a:fld>
             <a:endParaRPr lang="en-US"/>
           </a:p>
@@ -6495,7 +6495,7 @@
           <a:p>
             <a:fld id="{3A3AB252-50D9-4F50-BA8D-FB93EDDF0D1D}" type="datetimeFigureOut">
               <a:rPr lang="en-US" smtClean="0"/>
-              <a:t>11/20/2019</a:t>
+              <a:t>11/21/2019</a:t>
             </a:fld>
             <a:endParaRPr lang="en-US"/>
           </a:p>
@@ -6806,7 +6806,7 @@
           <a:p>
             <a:fld id="{3A3AB252-50D9-4F50-BA8D-FB93EDDF0D1D}" type="datetimeFigureOut">
               <a:rPr lang="en-US" smtClean="0"/>
-              <a:t>11/20/2019</a:t>
+              <a:t>11/21/2019</a:t>
             </a:fld>
             <a:endParaRPr lang="en-US"/>
           </a:p>
@@ -7094,7 +7094,7 @@
           <a:p>
             <a:fld id="{3A3AB252-50D9-4F50-BA8D-FB93EDDF0D1D}" type="datetimeFigureOut">
               <a:rPr lang="en-US" smtClean="0"/>
-              <a:t>11/20/2019</a:t>
+              <a:t>11/21/2019</a:t>
             </a:fld>
             <a:endParaRPr lang="en-US"/>
           </a:p>
@@ -7335,7 +7335,7 @@
           <a:p>
             <a:fld id="{3A3AB252-50D9-4F50-BA8D-FB93EDDF0D1D}" type="datetimeFigureOut">
               <a:rPr lang="en-US" smtClean="0"/>
-              <a:t>11/20/2019</a:t>
+              <a:t>11/21/2019</a:t>
             </a:fld>
             <a:endParaRPr lang="en-US"/>
           </a:p>
